--- a/ppt 16-9/0640.你爱有多深.pptx
+++ b/ppt 16-9/0640.你爱有多深.pptx
@@ -5,7 +5,7 @@
     <p:sldMasterId id="2147483648" r:id="rId1"/>
   </p:sldMasterIdLst>
   <p:sldIdLst>
-    <p:sldId id="2437" r:id="rId2"/>
+    <p:sldId id="2438" r:id="rId2"/>
   </p:sldIdLst>
   <p:sldSz cx="12192000" cy="6858000"/>
   <p:notesSz cx="6858000" cy="9144000"/>
@@ -129,7 +129,7 @@
           <p:cNvPr id="2" name="标题 1">
             <a:extLst>
               <a:ext uri="{FF2B5EF4-FFF2-40B4-BE49-F238E27FC236}">
-                <a16:creationId xmlns:a16="http://schemas.microsoft.com/office/drawing/2014/main" id="{9E22A4EB-683E-274D-DDC3-66239EFE092C}"/>
+                <a16:creationId xmlns:a16="http://schemas.microsoft.com/office/drawing/2014/main" id="{36F7E377-5715-D63E-2BD5-84DCB4A4F340}"/>
               </a:ext>
             </a:extLst>
           </p:cNvPr>
@@ -166,7 +166,7 @@
           <p:cNvPr id="3" name="副标题 2">
             <a:extLst>
               <a:ext uri="{FF2B5EF4-FFF2-40B4-BE49-F238E27FC236}">
-                <a16:creationId xmlns:a16="http://schemas.microsoft.com/office/drawing/2014/main" id="{A1C75A37-866D-500D-4010-A7CD8B043873}"/>
+                <a16:creationId xmlns:a16="http://schemas.microsoft.com/office/drawing/2014/main" id="{5BCFE922-1932-74FF-BC8B-32B96E7219D0}"/>
               </a:ext>
             </a:extLst>
           </p:cNvPr>
@@ -236,7 +236,7 @@
           <p:cNvPr id="4" name="日期占位符 3">
             <a:extLst>
               <a:ext uri="{FF2B5EF4-FFF2-40B4-BE49-F238E27FC236}">
-                <a16:creationId xmlns:a16="http://schemas.microsoft.com/office/drawing/2014/main" id="{0EB94384-4830-3359-F94A-4942F9043719}"/>
+                <a16:creationId xmlns:a16="http://schemas.microsoft.com/office/drawing/2014/main" id="{4C8A4C27-741B-4FED-642B-6266D04323AF}"/>
               </a:ext>
             </a:extLst>
           </p:cNvPr>
@@ -252,7 +252,7 @@
           <a:bodyPr/>
           <a:lstStyle/>
           <a:p>
-            <a:fld id="{6D804C24-D3AC-4A3B-8145-8F348AA0F10E}" type="datetimeFigureOut">
+            <a:fld id="{A9CBCF9F-129A-42FE-AD6A-6E890AB09AE3}" type="datetimeFigureOut">
               <a:rPr lang="zh-CN" altLang="en-US" smtClean="0"/>
               <a:t>2024/3/10</a:t>
             </a:fld>
@@ -265,7 +265,7 @@
           <p:cNvPr id="5" name="页脚占位符 4">
             <a:extLst>
               <a:ext uri="{FF2B5EF4-FFF2-40B4-BE49-F238E27FC236}">
-                <a16:creationId xmlns:a16="http://schemas.microsoft.com/office/drawing/2014/main" id="{9E42ACE5-06AD-CC88-9BF0-7A9785EC4D54}"/>
+                <a16:creationId xmlns:a16="http://schemas.microsoft.com/office/drawing/2014/main" id="{CAAB9023-7215-E4C5-18D6-A3BC50F59096}"/>
               </a:ext>
             </a:extLst>
           </p:cNvPr>
@@ -290,7 +290,7 @@
           <p:cNvPr id="6" name="灯片编号占位符 5">
             <a:extLst>
               <a:ext uri="{FF2B5EF4-FFF2-40B4-BE49-F238E27FC236}">
-                <a16:creationId xmlns:a16="http://schemas.microsoft.com/office/drawing/2014/main" id="{DED69379-FC8F-CC8C-969B-BC03CD77DCEE}"/>
+                <a16:creationId xmlns:a16="http://schemas.microsoft.com/office/drawing/2014/main" id="{4367FBF5-3EDD-F005-808C-BE5AC0A975B1}"/>
               </a:ext>
             </a:extLst>
           </p:cNvPr>
@@ -306,7 +306,7 @@
           <a:bodyPr/>
           <a:lstStyle/>
           <a:p>
-            <a:fld id="{D305B949-17C4-41A8-B8E0-E4B4B84CB72F}" type="slidenum">
+            <a:fld id="{48920756-50C0-4E68-8325-23173A4C6874}" type="slidenum">
               <a:rPr lang="zh-CN" altLang="en-US" smtClean="0"/>
               <a:t>‹#›</a:t>
             </a:fld>
@@ -317,7 +317,7 @@
     </p:spTree>
     <p:extLst>
       <p:ext uri="{BB962C8B-B14F-4D97-AF65-F5344CB8AC3E}">
-        <p14:creationId xmlns:p14="http://schemas.microsoft.com/office/powerpoint/2010/main" val="1069504769"/>
+        <p14:creationId xmlns:p14="http://schemas.microsoft.com/office/powerpoint/2010/main" val="2759028451"/>
       </p:ext>
     </p:extLst>
   </p:cSld>
@@ -349,7 +349,7 @@
           <p:cNvPr id="2" name="标题 1">
             <a:extLst>
               <a:ext uri="{FF2B5EF4-FFF2-40B4-BE49-F238E27FC236}">
-                <a16:creationId xmlns:a16="http://schemas.microsoft.com/office/drawing/2014/main" id="{57A83D70-C614-671D-B1A2-2BDFB672BA82}"/>
+                <a16:creationId xmlns:a16="http://schemas.microsoft.com/office/drawing/2014/main" id="{5E5837CB-A8E6-1F41-CC5E-75CD5344B9D7}"/>
               </a:ext>
             </a:extLst>
           </p:cNvPr>
@@ -377,7 +377,7 @@
           <p:cNvPr id="3" name="竖排文字占位符 2">
             <a:extLst>
               <a:ext uri="{FF2B5EF4-FFF2-40B4-BE49-F238E27FC236}">
-                <a16:creationId xmlns:a16="http://schemas.microsoft.com/office/drawing/2014/main" id="{FB0C134F-D14F-715D-920D-D1E13B9325C5}"/>
+                <a16:creationId xmlns:a16="http://schemas.microsoft.com/office/drawing/2014/main" id="{A13B82AC-4BCF-FBFD-51FA-FF885F9C9A61}"/>
               </a:ext>
             </a:extLst>
           </p:cNvPr>
@@ -434,7 +434,7 @@
           <p:cNvPr id="4" name="日期占位符 3">
             <a:extLst>
               <a:ext uri="{FF2B5EF4-FFF2-40B4-BE49-F238E27FC236}">
-                <a16:creationId xmlns:a16="http://schemas.microsoft.com/office/drawing/2014/main" id="{973E5308-345B-C229-392F-37625C1406F7}"/>
+                <a16:creationId xmlns:a16="http://schemas.microsoft.com/office/drawing/2014/main" id="{ED64A154-8A6C-43AA-0C41-912907BA3CE2}"/>
               </a:ext>
             </a:extLst>
           </p:cNvPr>
@@ -450,7 +450,7 @@
           <a:bodyPr/>
           <a:lstStyle/>
           <a:p>
-            <a:fld id="{6D804C24-D3AC-4A3B-8145-8F348AA0F10E}" type="datetimeFigureOut">
+            <a:fld id="{A9CBCF9F-129A-42FE-AD6A-6E890AB09AE3}" type="datetimeFigureOut">
               <a:rPr lang="zh-CN" altLang="en-US" smtClean="0"/>
               <a:t>2024/3/10</a:t>
             </a:fld>
@@ -463,7 +463,7 @@
           <p:cNvPr id="5" name="页脚占位符 4">
             <a:extLst>
               <a:ext uri="{FF2B5EF4-FFF2-40B4-BE49-F238E27FC236}">
-                <a16:creationId xmlns:a16="http://schemas.microsoft.com/office/drawing/2014/main" id="{8C90F15C-0114-45FB-4572-64D1FC85CCA8}"/>
+                <a16:creationId xmlns:a16="http://schemas.microsoft.com/office/drawing/2014/main" id="{0C873025-8425-2C91-4E48-BD863313EDC2}"/>
               </a:ext>
             </a:extLst>
           </p:cNvPr>
@@ -488,7 +488,7 @@
           <p:cNvPr id="6" name="灯片编号占位符 5">
             <a:extLst>
               <a:ext uri="{FF2B5EF4-FFF2-40B4-BE49-F238E27FC236}">
-                <a16:creationId xmlns:a16="http://schemas.microsoft.com/office/drawing/2014/main" id="{A25AB293-66F3-482F-DD9F-BEFA52B920C0}"/>
+                <a16:creationId xmlns:a16="http://schemas.microsoft.com/office/drawing/2014/main" id="{3C0555EE-6CCF-22C2-CE3C-30D94F230CD3}"/>
               </a:ext>
             </a:extLst>
           </p:cNvPr>
@@ -504,7 +504,7 @@
           <a:bodyPr/>
           <a:lstStyle/>
           <a:p>
-            <a:fld id="{D305B949-17C4-41A8-B8E0-E4B4B84CB72F}" type="slidenum">
+            <a:fld id="{48920756-50C0-4E68-8325-23173A4C6874}" type="slidenum">
               <a:rPr lang="zh-CN" altLang="en-US" smtClean="0"/>
               <a:t>‹#›</a:t>
             </a:fld>
@@ -515,7 +515,7 @@
     </p:spTree>
     <p:extLst>
       <p:ext uri="{BB962C8B-B14F-4D97-AF65-F5344CB8AC3E}">
-        <p14:creationId xmlns:p14="http://schemas.microsoft.com/office/powerpoint/2010/main" val="2820694621"/>
+        <p14:creationId xmlns:p14="http://schemas.microsoft.com/office/powerpoint/2010/main" val="2777496039"/>
       </p:ext>
     </p:extLst>
   </p:cSld>
@@ -547,7 +547,7 @@
           <p:cNvPr id="2" name="竖排标题 1">
             <a:extLst>
               <a:ext uri="{FF2B5EF4-FFF2-40B4-BE49-F238E27FC236}">
-                <a16:creationId xmlns:a16="http://schemas.microsoft.com/office/drawing/2014/main" id="{FC96A6A6-BB3A-1686-CD66-80F32BA5B7C7}"/>
+                <a16:creationId xmlns:a16="http://schemas.microsoft.com/office/drawing/2014/main" id="{EBBAC08A-8DA9-0EB4-2F3A-412EF166F346}"/>
               </a:ext>
             </a:extLst>
           </p:cNvPr>
@@ -580,7 +580,7 @@
           <p:cNvPr id="3" name="竖排文字占位符 2">
             <a:extLst>
               <a:ext uri="{FF2B5EF4-FFF2-40B4-BE49-F238E27FC236}">
-                <a16:creationId xmlns:a16="http://schemas.microsoft.com/office/drawing/2014/main" id="{C660B60F-2DEA-7F25-6F30-7E1563581A64}"/>
+                <a16:creationId xmlns:a16="http://schemas.microsoft.com/office/drawing/2014/main" id="{3A30BEE5-0706-160E-9D43-245991112812}"/>
               </a:ext>
             </a:extLst>
           </p:cNvPr>
@@ -642,7 +642,7 @@
           <p:cNvPr id="4" name="日期占位符 3">
             <a:extLst>
               <a:ext uri="{FF2B5EF4-FFF2-40B4-BE49-F238E27FC236}">
-                <a16:creationId xmlns:a16="http://schemas.microsoft.com/office/drawing/2014/main" id="{BE890573-9C28-8AC7-67D5-B92D1F8A4004}"/>
+                <a16:creationId xmlns:a16="http://schemas.microsoft.com/office/drawing/2014/main" id="{3CA92D70-773A-02CB-BAC7-CDC1EA7CC25A}"/>
               </a:ext>
             </a:extLst>
           </p:cNvPr>
@@ -658,7 +658,7 @@
           <a:bodyPr/>
           <a:lstStyle/>
           <a:p>
-            <a:fld id="{6D804C24-D3AC-4A3B-8145-8F348AA0F10E}" type="datetimeFigureOut">
+            <a:fld id="{A9CBCF9F-129A-42FE-AD6A-6E890AB09AE3}" type="datetimeFigureOut">
               <a:rPr lang="zh-CN" altLang="en-US" smtClean="0"/>
               <a:t>2024/3/10</a:t>
             </a:fld>
@@ -671,7 +671,7 @@
           <p:cNvPr id="5" name="页脚占位符 4">
             <a:extLst>
               <a:ext uri="{FF2B5EF4-FFF2-40B4-BE49-F238E27FC236}">
-                <a16:creationId xmlns:a16="http://schemas.microsoft.com/office/drawing/2014/main" id="{288EC169-0AFB-93DA-51EC-AE0CA5644FF4}"/>
+                <a16:creationId xmlns:a16="http://schemas.microsoft.com/office/drawing/2014/main" id="{FB27CC76-D6FF-2518-E3ED-AFD511CF0AF7}"/>
               </a:ext>
             </a:extLst>
           </p:cNvPr>
@@ -696,7 +696,7 @@
           <p:cNvPr id="6" name="灯片编号占位符 5">
             <a:extLst>
               <a:ext uri="{FF2B5EF4-FFF2-40B4-BE49-F238E27FC236}">
-                <a16:creationId xmlns:a16="http://schemas.microsoft.com/office/drawing/2014/main" id="{DB00120C-D339-1887-0B4D-1B267C7D1C99}"/>
+                <a16:creationId xmlns:a16="http://schemas.microsoft.com/office/drawing/2014/main" id="{B57A5512-83E6-E7F8-D3E9-40A613E5E16A}"/>
               </a:ext>
             </a:extLst>
           </p:cNvPr>
@@ -712,7 +712,7 @@
           <a:bodyPr/>
           <a:lstStyle/>
           <a:p>
-            <a:fld id="{D305B949-17C4-41A8-B8E0-E4B4B84CB72F}" type="slidenum">
+            <a:fld id="{48920756-50C0-4E68-8325-23173A4C6874}" type="slidenum">
               <a:rPr lang="zh-CN" altLang="en-US" smtClean="0"/>
               <a:t>‹#›</a:t>
             </a:fld>
@@ -723,7 +723,7 @@
     </p:spTree>
     <p:extLst>
       <p:ext uri="{BB962C8B-B14F-4D97-AF65-F5344CB8AC3E}">
-        <p14:creationId xmlns:p14="http://schemas.microsoft.com/office/powerpoint/2010/main" val="2355000925"/>
+        <p14:creationId xmlns:p14="http://schemas.microsoft.com/office/powerpoint/2010/main" val="2087705815"/>
       </p:ext>
     </p:extLst>
   </p:cSld>
@@ -755,7 +755,7 @@
           <p:cNvPr id="2" name="标题 1">
             <a:extLst>
               <a:ext uri="{FF2B5EF4-FFF2-40B4-BE49-F238E27FC236}">
-                <a16:creationId xmlns:a16="http://schemas.microsoft.com/office/drawing/2014/main" id="{403466F7-13CD-1CAC-05A0-34ED16C65CA6}"/>
+                <a16:creationId xmlns:a16="http://schemas.microsoft.com/office/drawing/2014/main" id="{A7A4F1C7-5D01-0B7C-427A-E6197132593F}"/>
               </a:ext>
             </a:extLst>
           </p:cNvPr>
@@ -783,7 +783,7 @@
           <p:cNvPr id="3" name="内容占位符 2">
             <a:extLst>
               <a:ext uri="{FF2B5EF4-FFF2-40B4-BE49-F238E27FC236}">
-                <a16:creationId xmlns:a16="http://schemas.microsoft.com/office/drawing/2014/main" id="{FD581303-044C-2523-89AC-174B3EBCC609}"/>
+                <a16:creationId xmlns:a16="http://schemas.microsoft.com/office/drawing/2014/main" id="{735EA37C-7388-872E-BF8C-90AF9F5F3F48}"/>
               </a:ext>
             </a:extLst>
           </p:cNvPr>
@@ -840,7 +840,7 @@
           <p:cNvPr id="4" name="日期占位符 3">
             <a:extLst>
               <a:ext uri="{FF2B5EF4-FFF2-40B4-BE49-F238E27FC236}">
-                <a16:creationId xmlns:a16="http://schemas.microsoft.com/office/drawing/2014/main" id="{C6EFB2CF-8989-A94B-1280-451A24EEDFE2}"/>
+                <a16:creationId xmlns:a16="http://schemas.microsoft.com/office/drawing/2014/main" id="{A655CEBA-5BDE-EE25-BE8F-BD549ED40862}"/>
               </a:ext>
             </a:extLst>
           </p:cNvPr>
@@ -856,7 +856,7 @@
           <a:bodyPr/>
           <a:lstStyle/>
           <a:p>
-            <a:fld id="{6D804C24-D3AC-4A3B-8145-8F348AA0F10E}" type="datetimeFigureOut">
+            <a:fld id="{A9CBCF9F-129A-42FE-AD6A-6E890AB09AE3}" type="datetimeFigureOut">
               <a:rPr lang="zh-CN" altLang="en-US" smtClean="0"/>
               <a:t>2024/3/10</a:t>
             </a:fld>
@@ -869,7 +869,7 @@
           <p:cNvPr id="5" name="页脚占位符 4">
             <a:extLst>
               <a:ext uri="{FF2B5EF4-FFF2-40B4-BE49-F238E27FC236}">
-                <a16:creationId xmlns:a16="http://schemas.microsoft.com/office/drawing/2014/main" id="{D4E78CC0-31B7-7274-306E-77A9EE7099D5}"/>
+                <a16:creationId xmlns:a16="http://schemas.microsoft.com/office/drawing/2014/main" id="{02E92C47-3C90-D1CC-F850-E8F1E48B6A96}"/>
               </a:ext>
             </a:extLst>
           </p:cNvPr>
@@ -894,7 +894,7 @@
           <p:cNvPr id="6" name="灯片编号占位符 5">
             <a:extLst>
               <a:ext uri="{FF2B5EF4-FFF2-40B4-BE49-F238E27FC236}">
-                <a16:creationId xmlns:a16="http://schemas.microsoft.com/office/drawing/2014/main" id="{5508BF96-DD0E-57C4-F78C-6941F645617A}"/>
+                <a16:creationId xmlns:a16="http://schemas.microsoft.com/office/drawing/2014/main" id="{E83F4C2C-50E4-F731-C6BC-75794E7A2D7A}"/>
               </a:ext>
             </a:extLst>
           </p:cNvPr>
@@ -910,7 +910,7 @@
           <a:bodyPr/>
           <a:lstStyle/>
           <a:p>
-            <a:fld id="{D305B949-17C4-41A8-B8E0-E4B4B84CB72F}" type="slidenum">
+            <a:fld id="{48920756-50C0-4E68-8325-23173A4C6874}" type="slidenum">
               <a:rPr lang="zh-CN" altLang="en-US" smtClean="0"/>
               <a:t>‹#›</a:t>
             </a:fld>
@@ -921,7 +921,7 @@
     </p:spTree>
     <p:extLst>
       <p:ext uri="{BB962C8B-B14F-4D97-AF65-F5344CB8AC3E}">
-        <p14:creationId xmlns:p14="http://schemas.microsoft.com/office/powerpoint/2010/main" val="1882517810"/>
+        <p14:creationId xmlns:p14="http://schemas.microsoft.com/office/powerpoint/2010/main" val="991200537"/>
       </p:ext>
     </p:extLst>
   </p:cSld>
@@ -953,7 +953,7 @@
           <p:cNvPr id="2" name="标题 1">
             <a:extLst>
               <a:ext uri="{FF2B5EF4-FFF2-40B4-BE49-F238E27FC236}">
-                <a16:creationId xmlns:a16="http://schemas.microsoft.com/office/drawing/2014/main" id="{2C28E6F1-D7AB-56C7-D73F-E2642FFCF404}"/>
+                <a16:creationId xmlns:a16="http://schemas.microsoft.com/office/drawing/2014/main" id="{9508C134-0E01-D6F7-8E23-532D659B9B03}"/>
               </a:ext>
             </a:extLst>
           </p:cNvPr>
@@ -990,7 +990,7 @@
           <p:cNvPr id="3" name="文本占位符 2">
             <a:extLst>
               <a:ext uri="{FF2B5EF4-FFF2-40B4-BE49-F238E27FC236}">
-                <a16:creationId xmlns:a16="http://schemas.microsoft.com/office/drawing/2014/main" id="{9B082E88-F8B3-2F5F-61D1-410A37CB3199}"/>
+                <a16:creationId xmlns:a16="http://schemas.microsoft.com/office/drawing/2014/main" id="{C0EF6AB1-147D-F196-8D12-EE91AFA91947}"/>
               </a:ext>
             </a:extLst>
           </p:cNvPr>
@@ -1115,7 +1115,7 @@
           <p:cNvPr id="4" name="日期占位符 3">
             <a:extLst>
               <a:ext uri="{FF2B5EF4-FFF2-40B4-BE49-F238E27FC236}">
-                <a16:creationId xmlns:a16="http://schemas.microsoft.com/office/drawing/2014/main" id="{91DBE8EE-740A-1330-935C-F13214BB79B3}"/>
+                <a16:creationId xmlns:a16="http://schemas.microsoft.com/office/drawing/2014/main" id="{E1C90848-FD1E-36B8-6569-68F2FA9B378B}"/>
               </a:ext>
             </a:extLst>
           </p:cNvPr>
@@ -1131,7 +1131,7 @@
           <a:bodyPr/>
           <a:lstStyle/>
           <a:p>
-            <a:fld id="{6D804C24-D3AC-4A3B-8145-8F348AA0F10E}" type="datetimeFigureOut">
+            <a:fld id="{A9CBCF9F-129A-42FE-AD6A-6E890AB09AE3}" type="datetimeFigureOut">
               <a:rPr lang="zh-CN" altLang="en-US" smtClean="0"/>
               <a:t>2024/3/10</a:t>
             </a:fld>
@@ -1144,7 +1144,7 @@
           <p:cNvPr id="5" name="页脚占位符 4">
             <a:extLst>
               <a:ext uri="{FF2B5EF4-FFF2-40B4-BE49-F238E27FC236}">
-                <a16:creationId xmlns:a16="http://schemas.microsoft.com/office/drawing/2014/main" id="{B80FE0BA-0FFB-7B87-1002-1C9B2D953CE0}"/>
+                <a16:creationId xmlns:a16="http://schemas.microsoft.com/office/drawing/2014/main" id="{A819F50B-D280-6198-5439-738DB9CBF6D0}"/>
               </a:ext>
             </a:extLst>
           </p:cNvPr>
@@ -1169,7 +1169,7 @@
           <p:cNvPr id="6" name="灯片编号占位符 5">
             <a:extLst>
               <a:ext uri="{FF2B5EF4-FFF2-40B4-BE49-F238E27FC236}">
-                <a16:creationId xmlns:a16="http://schemas.microsoft.com/office/drawing/2014/main" id="{67CAD6F0-17DE-708A-C1E7-FF3CBF5008F9}"/>
+                <a16:creationId xmlns:a16="http://schemas.microsoft.com/office/drawing/2014/main" id="{CF828A08-227E-A981-E82A-5F15A28AECB6}"/>
               </a:ext>
             </a:extLst>
           </p:cNvPr>
@@ -1185,7 +1185,7 @@
           <a:bodyPr/>
           <a:lstStyle/>
           <a:p>
-            <a:fld id="{D305B949-17C4-41A8-B8E0-E4B4B84CB72F}" type="slidenum">
+            <a:fld id="{48920756-50C0-4E68-8325-23173A4C6874}" type="slidenum">
               <a:rPr lang="zh-CN" altLang="en-US" smtClean="0"/>
               <a:t>‹#›</a:t>
             </a:fld>
@@ -1196,7 +1196,7 @@
     </p:spTree>
     <p:extLst>
       <p:ext uri="{BB962C8B-B14F-4D97-AF65-F5344CB8AC3E}">
-        <p14:creationId xmlns:p14="http://schemas.microsoft.com/office/powerpoint/2010/main" val="1904056433"/>
+        <p14:creationId xmlns:p14="http://schemas.microsoft.com/office/powerpoint/2010/main" val="1853061364"/>
       </p:ext>
     </p:extLst>
   </p:cSld>
@@ -1228,7 +1228,7 @@
           <p:cNvPr id="2" name="标题 1">
             <a:extLst>
               <a:ext uri="{FF2B5EF4-FFF2-40B4-BE49-F238E27FC236}">
-                <a16:creationId xmlns:a16="http://schemas.microsoft.com/office/drawing/2014/main" id="{FBF51AA1-9C3A-549A-2396-F4052B4373DB}"/>
+                <a16:creationId xmlns:a16="http://schemas.microsoft.com/office/drawing/2014/main" id="{97F9DBF9-2BB5-06B5-2B35-664C1E54169A}"/>
               </a:ext>
             </a:extLst>
           </p:cNvPr>
@@ -1256,7 +1256,7 @@
           <p:cNvPr id="3" name="内容占位符 2">
             <a:extLst>
               <a:ext uri="{FF2B5EF4-FFF2-40B4-BE49-F238E27FC236}">
-                <a16:creationId xmlns:a16="http://schemas.microsoft.com/office/drawing/2014/main" id="{6149C658-AB92-EA93-A0B7-6E0A93C8C72F}"/>
+                <a16:creationId xmlns:a16="http://schemas.microsoft.com/office/drawing/2014/main" id="{8C4E37CD-0CDD-6A36-6DFA-8206DA1C5A90}"/>
               </a:ext>
             </a:extLst>
           </p:cNvPr>
@@ -1318,7 +1318,7 @@
           <p:cNvPr id="4" name="内容占位符 3">
             <a:extLst>
               <a:ext uri="{FF2B5EF4-FFF2-40B4-BE49-F238E27FC236}">
-                <a16:creationId xmlns:a16="http://schemas.microsoft.com/office/drawing/2014/main" id="{E92ED578-85C8-56E1-FDAB-2C189E821B6C}"/>
+                <a16:creationId xmlns:a16="http://schemas.microsoft.com/office/drawing/2014/main" id="{61553A64-96FF-FC42-1FFA-E50F25E65C42}"/>
               </a:ext>
             </a:extLst>
           </p:cNvPr>
@@ -1380,7 +1380,7 @@
           <p:cNvPr id="5" name="日期占位符 4">
             <a:extLst>
               <a:ext uri="{FF2B5EF4-FFF2-40B4-BE49-F238E27FC236}">
-                <a16:creationId xmlns:a16="http://schemas.microsoft.com/office/drawing/2014/main" id="{C0EDCD83-F31B-241F-9A08-6F088C3B1A17}"/>
+                <a16:creationId xmlns:a16="http://schemas.microsoft.com/office/drawing/2014/main" id="{B809D986-7CF5-C340-40FA-EF6D27EC14DD}"/>
               </a:ext>
             </a:extLst>
           </p:cNvPr>
@@ -1396,7 +1396,7 @@
           <a:bodyPr/>
           <a:lstStyle/>
           <a:p>
-            <a:fld id="{6D804C24-D3AC-4A3B-8145-8F348AA0F10E}" type="datetimeFigureOut">
+            <a:fld id="{A9CBCF9F-129A-42FE-AD6A-6E890AB09AE3}" type="datetimeFigureOut">
               <a:rPr lang="zh-CN" altLang="en-US" smtClean="0"/>
               <a:t>2024/3/10</a:t>
             </a:fld>
@@ -1409,7 +1409,7 @@
           <p:cNvPr id="6" name="页脚占位符 5">
             <a:extLst>
               <a:ext uri="{FF2B5EF4-FFF2-40B4-BE49-F238E27FC236}">
-                <a16:creationId xmlns:a16="http://schemas.microsoft.com/office/drawing/2014/main" id="{3BD55CCF-DA77-A798-34C4-E6250D609B89}"/>
+                <a16:creationId xmlns:a16="http://schemas.microsoft.com/office/drawing/2014/main" id="{ACADB372-19E7-4042-2CCE-D655B653AC5C}"/>
               </a:ext>
             </a:extLst>
           </p:cNvPr>
@@ -1434,7 +1434,7 @@
           <p:cNvPr id="7" name="灯片编号占位符 6">
             <a:extLst>
               <a:ext uri="{FF2B5EF4-FFF2-40B4-BE49-F238E27FC236}">
-                <a16:creationId xmlns:a16="http://schemas.microsoft.com/office/drawing/2014/main" id="{61ED2EC5-2B10-D4DE-6EA6-7DF6D01ED75B}"/>
+                <a16:creationId xmlns:a16="http://schemas.microsoft.com/office/drawing/2014/main" id="{AAA3A946-1499-F3B8-45DD-859768A4A943}"/>
               </a:ext>
             </a:extLst>
           </p:cNvPr>
@@ -1450,7 +1450,7 @@
           <a:bodyPr/>
           <a:lstStyle/>
           <a:p>
-            <a:fld id="{D305B949-17C4-41A8-B8E0-E4B4B84CB72F}" type="slidenum">
+            <a:fld id="{48920756-50C0-4E68-8325-23173A4C6874}" type="slidenum">
               <a:rPr lang="zh-CN" altLang="en-US" smtClean="0"/>
               <a:t>‹#›</a:t>
             </a:fld>
@@ -1461,7 +1461,7 @@
     </p:spTree>
     <p:extLst>
       <p:ext uri="{BB962C8B-B14F-4D97-AF65-F5344CB8AC3E}">
-        <p14:creationId xmlns:p14="http://schemas.microsoft.com/office/powerpoint/2010/main" val="134786230"/>
+        <p14:creationId xmlns:p14="http://schemas.microsoft.com/office/powerpoint/2010/main" val="1011768325"/>
       </p:ext>
     </p:extLst>
   </p:cSld>
@@ -1493,7 +1493,7 @@
           <p:cNvPr id="2" name="标题 1">
             <a:extLst>
               <a:ext uri="{FF2B5EF4-FFF2-40B4-BE49-F238E27FC236}">
-                <a16:creationId xmlns:a16="http://schemas.microsoft.com/office/drawing/2014/main" id="{38D73E52-FAC6-934C-CEE0-8FD8245E25D4}"/>
+                <a16:creationId xmlns:a16="http://schemas.microsoft.com/office/drawing/2014/main" id="{3755A5C4-7D19-EF5F-6474-9BA94D8C6A42}"/>
               </a:ext>
             </a:extLst>
           </p:cNvPr>
@@ -1526,7 +1526,7 @@
           <p:cNvPr id="3" name="文本占位符 2">
             <a:extLst>
               <a:ext uri="{FF2B5EF4-FFF2-40B4-BE49-F238E27FC236}">
-                <a16:creationId xmlns:a16="http://schemas.microsoft.com/office/drawing/2014/main" id="{4E495755-EF9F-0474-B6C3-AC3CCB647DC1}"/>
+                <a16:creationId xmlns:a16="http://schemas.microsoft.com/office/drawing/2014/main" id="{DC241AB3-7FDA-9465-05CB-627FEA860BE1}"/>
               </a:ext>
             </a:extLst>
           </p:cNvPr>
@@ -1597,7 +1597,7 @@
           <p:cNvPr id="4" name="内容占位符 3">
             <a:extLst>
               <a:ext uri="{FF2B5EF4-FFF2-40B4-BE49-F238E27FC236}">
-                <a16:creationId xmlns:a16="http://schemas.microsoft.com/office/drawing/2014/main" id="{AC967A89-7B76-96FE-F5D1-3EBCBDEE0EBC}"/>
+                <a16:creationId xmlns:a16="http://schemas.microsoft.com/office/drawing/2014/main" id="{6E668F4C-47C1-6D3A-8754-139ADCB1A491}"/>
               </a:ext>
             </a:extLst>
           </p:cNvPr>
@@ -1659,7 +1659,7 @@
           <p:cNvPr id="5" name="文本占位符 4">
             <a:extLst>
               <a:ext uri="{FF2B5EF4-FFF2-40B4-BE49-F238E27FC236}">
-                <a16:creationId xmlns:a16="http://schemas.microsoft.com/office/drawing/2014/main" id="{10084295-80E0-BD90-BED9-42C61724EFBF}"/>
+                <a16:creationId xmlns:a16="http://schemas.microsoft.com/office/drawing/2014/main" id="{9F0E8B5D-DE50-D9CF-9AC8-5E08D4B907E6}"/>
               </a:ext>
             </a:extLst>
           </p:cNvPr>
@@ -1730,7 +1730,7 @@
           <p:cNvPr id="6" name="内容占位符 5">
             <a:extLst>
               <a:ext uri="{FF2B5EF4-FFF2-40B4-BE49-F238E27FC236}">
-                <a16:creationId xmlns:a16="http://schemas.microsoft.com/office/drawing/2014/main" id="{142DC7CA-0E0C-7D1D-0B4C-B4B85088A1D6}"/>
+                <a16:creationId xmlns:a16="http://schemas.microsoft.com/office/drawing/2014/main" id="{60FD71AE-05E7-2717-4362-37DE5FB995C5}"/>
               </a:ext>
             </a:extLst>
           </p:cNvPr>
@@ -1792,7 +1792,7 @@
           <p:cNvPr id="7" name="日期占位符 6">
             <a:extLst>
               <a:ext uri="{FF2B5EF4-FFF2-40B4-BE49-F238E27FC236}">
-                <a16:creationId xmlns:a16="http://schemas.microsoft.com/office/drawing/2014/main" id="{5303AC95-C146-D859-C24F-2FF6483D8F12}"/>
+                <a16:creationId xmlns:a16="http://schemas.microsoft.com/office/drawing/2014/main" id="{D5808D08-64EB-3C2F-1DF9-2ED7C8B32963}"/>
               </a:ext>
             </a:extLst>
           </p:cNvPr>
@@ -1808,7 +1808,7 @@
           <a:bodyPr/>
           <a:lstStyle/>
           <a:p>
-            <a:fld id="{6D804C24-D3AC-4A3B-8145-8F348AA0F10E}" type="datetimeFigureOut">
+            <a:fld id="{A9CBCF9F-129A-42FE-AD6A-6E890AB09AE3}" type="datetimeFigureOut">
               <a:rPr lang="zh-CN" altLang="en-US" smtClean="0"/>
               <a:t>2024/3/10</a:t>
             </a:fld>
@@ -1821,7 +1821,7 @@
           <p:cNvPr id="8" name="页脚占位符 7">
             <a:extLst>
               <a:ext uri="{FF2B5EF4-FFF2-40B4-BE49-F238E27FC236}">
-                <a16:creationId xmlns:a16="http://schemas.microsoft.com/office/drawing/2014/main" id="{FCF59039-3AB4-0DBA-A7AB-14367E8F6B75}"/>
+                <a16:creationId xmlns:a16="http://schemas.microsoft.com/office/drawing/2014/main" id="{1D8B25A6-710F-89A1-4317-4685DD40A1B5}"/>
               </a:ext>
             </a:extLst>
           </p:cNvPr>
@@ -1846,7 +1846,7 @@
           <p:cNvPr id="9" name="灯片编号占位符 8">
             <a:extLst>
               <a:ext uri="{FF2B5EF4-FFF2-40B4-BE49-F238E27FC236}">
-                <a16:creationId xmlns:a16="http://schemas.microsoft.com/office/drawing/2014/main" id="{53D3A998-F3F9-652A-E9E0-B6DA068825E6}"/>
+                <a16:creationId xmlns:a16="http://schemas.microsoft.com/office/drawing/2014/main" id="{7477FF90-3033-E62D-B631-035E1C19450C}"/>
               </a:ext>
             </a:extLst>
           </p:cNvPr>
@@ -1862,7 +1862,7 @@
           <a:bodyPr/>
           <a:lstStyle/>
           <a:p>
-            <a:fld id="{D305B949-17C4-41A8-B8E0-E4B4B84CB72F}" type="slidenum">
+            <a:fld id="{48920756-50C0-4E68-8325-23173A4C6874}" type="slidenum">
               <a:rPr lang="zh-CN" altLang="en-US" smtClean="0"/>
               <a:t>‹#›</a:t>
             </a:fld>
@@ -1873,7 +1873,7 @@
     </p:spTree>
     <p:extLst>
       <p:ext uri="{BB962C8B-B14F-4D97-AF65-F5344CB8AC3E}">
-        <p14:creationId xmlns:p14="http://schemas.microsoft.com/office/powerpoint/2010/main" val="2540383498"/>
+        <p14:creationId xmlns:p14="http://schemas.microsoft.com/office/powerpoint/2010/main" val="2758459375"/>
       </p:ext>
     </p:extLst>
   </p:cSld>
@@ -1905,7 +1905,7 @@
           <p:cNvPr id="2" name="标题 1">
             <a:extLst>
               <a:ext uri="{FF2B5EF4-FFF2-40B4-BE49-F238E27FC236}">
-                <a16:creationId xmlns:a16="http://schemas.microsoft.com/office/drawing/2014/main" id="{774BB20F-11D4-6875-3204-3E74E1C94C16}"/>
+                <a16:creationId xmlns:a16="http://schemas.microsoft.com/office/drawing/2014/main" id="{AC34AA85-5949-5CB8-B815-CA3ECF0A5458}"/>
               </a:ext>
             </a:extLst>
           </p:cNvPr>
@@ -1933,7 +1933,7 @@
           <p:cNvPr id="3" name="日期占位符 2">
             <a:extLst>
               <a:ext uri="{FF2B5EF4-FFF2-40B4-BE49-F238E27FC236}">
-                <a16:creationId xmlns:a16="http://schemas.microsoft.com/office/drawing/2014/main" id="{6ADB5E7E-3F66-BCA0-E014-792E6227DD8B}"/>
+                <a16:creationId xmlns:a16="http://schemas.microsoft.com/office/drawing/2014/main" id="{C2D1F8CF-EAAF-6F86-6540-D058C4E8C366}"/>
               </a:ext>
             </a:extLst>
           </p:cNvPr>
@@ -1949,7 +1949,7 @@
           <a:bodyPr/>
           <a:lstStyle/>
           <a:p>
-            <a:fld id="{6D804C24-D3AC-4A3B-8145-8F348AA0F10E}" type="datetimeFigureOut">
+            <a:fld id="{A9CBCF9F-129A-42FE-AD6A-6E890AB09AE3}" type="datetimeFigureOut">
               <a:rPr lang="zh-CN" altLang="en-US" smtClean="0"/>
               <a:t>2024/3/10</a:t>
             </a:fld>
@@ -1962,7 +1962,7 @@
           <p:cNvPr id="4" name="页脚占位符 3">
             <a:extLst>
               <a:ext uri="{FF2B5EF4-FFF2-40B4-BE49-F238E27FC236}">
-                <a16:creationId xmlns:a16="http://schemas.microsoft.com/office/drawing/2014/main" id="{13182831-2240-A89F-4F62-202983084BEB}"/>
+                <a16:creationId xmlns:a16="http://schemas.microsoft.com/office/drawing/2014/main" id="{BB16018A-8360-7088-938D-B3F3DF7ABB86}"/>
               </a:ext>
             </a:extLst>
           </p:cNvPr>
@@ -1987,7 +1987,7 @@
           <p:cNvPr id="5" name="灯片编号占位符 4">
             <a:extLst>
               <a:ext uri="{FF2B5EF4-FFF2-40B4-BE49-F238E27FC236}">
-                <a16:creationId xmlns:a16="http://schemas.microsoft.com/office/drawing/2014/main" id="{66E3A418-1947-BF46-184D-6EE4053C8619}"/>
+                <a16:creationId xmlns:a16="http://schemas.microsoft.com/office/drawing/2014/main" id="{88D3E8FC-8AEA-2387-0B4E-548F4D6FF005}"/>
               </a:ext>
             </a:extLst>
           </p:cNvPr>
@@ -2003,7 +2003,7 @@
           <a:bodyPr/>
           <a:lstStyle/>
           <a:p>
-            <a:fld id="{D305B949-17C4-41A8-B8E0-E4B4B84CB72F}" type="slidenum">
+            <a:fld id="{48920756-50C0-4E68-8325-23173A4C6874}" type="slidenum">
               <a:rPr lang="zh-CN" altLang="en-US" smtClean="0"/>
               <a:t>‹#›</a:t>
             </a:fld>
@@ -2014,7 +2014,7 @@
     </p:spTree>
     <p:extLst>
       <p:ext uri="{BB962C8B-B14F-4D97-AF65-F5344CB8AC3E}">
-        <p14:creationId xmlns:p14="http://schemas.microsoft.com/office/powerpoint/2010/main" val="3002947116"/>
+        <p14:creationId xmlns:p14="http://schemas.microsoft.com/office/powerpoint/2010/main" val="2446415118"/>
       </p:ext>
     </p:extLst>
   </p:cSld>
@@ -2046,7 +2046,7 @@
           <p:cNvPr id="2" name="日期占位符 1">
             <a:extLst>
               <a:ext uri="{FF2B5EF4-FFF2-40B4-BE49-F238E27FC236}">
-                <a16:creationId xmlns:a16="http://schemas.microsoft.com/office/drawing/2014/main" id="{461875AE-5139-3AB8-24E9-6970748E0F66}"/>
+                <a16:creationId xmlns:a16="http://schemas.microsoft.com/office/drawing/2014/main" id="{14BD3CBF-329E-A336-1335-27C2EF404A00}"/>
               </a:ext>
             </a:extLst>
           </p:cNvPr>
@@ -2062,7 +2062,7 @@
           <a:bodyPr/>
           <a:lstStyle/>
           <a:p>
-            <a:fld id="{6D804C24-D3AC-4A3B-8145-8F348AA0F10E}" type="datetimeFigureOut">
+            <a:fld id="{A9CBCF9F-129A-42FE-AD6A-6E890AB09AE3}" type="datetimeFigureOut">
               <a:rPr lang="zh-CN" altLang="en-US" smtClean="0"/>
               <a:t>2024/3/10</a:t>
             </a:fld>
@@ -2075,7 +2075,7 @@
           <p:cNvPr id="3" name="页脚占位符 2">
             <a:extLst>
               <a:ext uri="{FF2B5EF4-FFF2-40B4-BE49-F238E27FC236}">
-                <a16:creationId xmlns:a16="http://schemas.microsoft.com/office/drawing/2014/main" id="{0252DAD8-D9B5-4EE0-56A6-3B50E18F0F9C}"/>
+                <a16:creationId xmlns:a16="http://schemas.microsoft.com/office/drawing/2014/main" id="{EC340B79-2428-E88C-46E0-90BC8DB5CB07}"/>
               </a:ext>
             </a:extLst>
           </p:cNvPr>
@@ -2100,7 +2100,7 @@
           <p:cNvPr id="4" name="灯片编号占位符 3">
             <a:extLst>
               <a:ext uri="{FF2B5EF4-FFF2-40B4-BE49-F238E27FC236}">
-                <a16:creationId xmlns:a16="http://schemas.microsoft.com/office/drawing/2014/main" id="{B5638E02-22AB-1E2B-AEEA-8754739EC88F}"/>
+                <a16:creationId xmlns:a16="http://schemas.microsoft.com/office/drawing/2014/main" id="{5155C70F-BDD9-C3AF-D0C8-E4080397F13E}"/>
               </a:ext>
             </a:extLst>
           </p:cNvPr>
@@ -2116,7 +2116,7 @@
           <a:bodyPr/>
           <a:lstStyle/>
           <a:p>
-            <a:fld id="{D305B949-17C4-41A8-B8E0-E4B4B84CB72F}" type="slidenum">
+            <a:fld id="{48920756-50C0-4E68-8325-23173A4C6874}" type="slidenum">
               <a:rPr lang="zh-CN" altLang="en-US" smtClean="0"/>
               <a:t>‹#›</a:t>
             </a:fld>
@@ -2127,7 +2127,7 @@
     </p:spTree>
     <p:extLst>
       <p:ext uri="{BB962C8B-B14F-4D97-AF65-F5344CB8AC3E}">
-        <p14:creationId xmlns:p14="http://schemas.microsoft.com/office/powerpoint/2010/main" val="3725440161"/>
+        <p14:creationId xmlns:p14="http://schemas.microsoft.com/office/powerpoint/2010/main" val="1447613423"/>
       </p:ext>
     </p:extLst>
   </p:cSld>
@@ -2159,7 +2159,7 @@
           <p:cNvPr id="2" name="标题 1">
             <a:extLst>
               <a:ext uri="{FF2B5EF4-FFF2-40B4-BE49-F238E27FC236}">
-                <a16:creationId xmlns:a16="http://schemas.microsoft.com/office/drawing/2014/main" id="{8E9C7771-3FA8-7F7C-F037-17E1C44F3F41}"/>
+                <a16:creationId xmlns:a16="http://schemas.microsoft.com/office/drawing/2014/main" id="{92A388A0-F0C4-2A0B-AE9C-E46EBA7333B6}"/>
               </a:ext>
             </a:extLst>
           </p:cNvPr>
@@ -2196,7 +2196,7 @@
           <p:cNvPr id="3" name="内容占位符 2">
             <a:extLst>
               <a:ext uri="{FF2B5EF4-FFF2-40B4-BE49-F238E27FC236}">
-                <a16:creationId xmlns:a16="http://schemas.microsoft.com/office/drawing/2014/main" id="{59FF9343-B522-578A-0248-9E2341486185}"/>
+                <a16:creationId xmlns:a16="http://schemas.microsoft.com/office/drawing/2014/main" id="{4C7679E4-DA68-A7F6-8EDD-B00DD78D14C6}"/>
               </a:ext>
             </a:extLst>
           </p:cNvPr>
@@ -2286,7 +2286,7 @@
           <p:cNvPr id="4" name="文本占位符 3">
             <a:extLst>
               <a:ext uri="{FF2B5EF4-FFF2-40B4-BE49-F238E27FC236}">
-                <a16:creationId xmlns:a16="http://schemas.microsoft.com/office/drawing/2014/main" id="{92431387-3AC6-88C8-8DC5-9C0C78EA89EA}"/>
+                <a16:creationId xmlns:a16="http://schemas.microsoft.com/office/drawing/2014/main" id="{38247551-83F6-4183-4CB5-3EC806872CA0}"/>
               </a:ext>
             </a:extLst>
           </p:cNvPr>
@@ -2357,7 +2357,7 @@
           <p:cNvPr id="5" name="日期占位符 4">
             <a:extLst>
               <a:ext uri="{FF2B5EF4-FFF2-40B4-BE49-F238E27FC236}">
-                <a16:creationId xmlns:a16="http://schemas.microsoft.com/office/drawing/2014/main" id="{1BDD0B78-93D4-B9A7-37A4-136199B780DC}"/>
+                <a16:creationId xmlns:a16="http://schemas.microsoft.com/office/drawing/2014/main" id="{625F8BB0-6029-11B0-1CE8-D966D83E310C}"/>
               </a:ext>
             </a:extLst>
           </p:cNvPr>
@@ -2373,7 +2373,7 @@
           <a:bodyPr/>
           <a:lstStyle/>
           <a:p>
-            <a:fld id="{6D804C24-D3AC-4A3B-8145-8F348AA0F10E}" type="datetimeFigureOut">
+            <a:fld id="{A9CBCF9F-129A-42FE-AD6A-6E890AB09AE3}" type="datetimeFigureOut">
               <a:rPr lang="zh-CN" altLang="en-US" smtClean="0"/>
               <a:t>2024/3/10</a:t>
             </a:fld>
@@ -2386,7 +2386,7 @@
           <p:cNvPr id="6" name="页脚占位符 5">
             <a:extLst>
               <a:ext uri="{FF2B5EF4-FFF2-40B4-BE49-F238E27FC236}">
-                <a16:creationId xmlns:a16="http://schemas.microsoft.com/office/drawing/2014/main" id="{9DA1E77F-0848-0C97-B3C0-92FE6FABC3AE}"/>
+                <a16:creationId xmlns:a16="http://schemas.microsoft.com/office/drawing/2014/main" id="{F2063735-753E-8973-C74E-E08EDBAB3644}"/>
               </a:ext>
             </a:extLst>
           </p:cNvPr>
@@ -2411,7 +2411,7 @@
           <p:cNvPr id="7" name="灯片编号占位符 6">
             <a:extLst>
               <a:ext uri="{FF2B5EF4-FFF2-40B4-BE49-F238E27FC236}">
-                <a16:creationId xmlns:a16="http://schemas.microsoft.com/office/drawing/2014/main" id="{A4CA3424-10A1-7A21-A54A-169DCE3615AA}"/>
+                <a16:creationId xmlns:a16="http://schemas.microsoft.com/office/drawing/2014/main" id="{EE3F1D44-D005-928A-6206-8DEEFF8E1D16}"/>
               </a:ext>
             </a:extLst>
           </p:cNvPr>
@@ -2427,7 +2427,7 @@
           <a:bodyPr/>
           <a:lstStyle/>
           <a:p>
-            <a:fld id="{D305B949-17C4-41A8-B8E0-E4B4B84CB72F}" type="slidenum">
+            <a:fld id="{48920756-50C0-4E68-8325-23173A4C6874}" type="slidenum">
               <a:rPr lang="zh-CN" altLang="en-US" smtClean="0"/>
               <a:t>‹#›</a:t>
             </a:fld>
@@ -2438,7 +2438,7 @@
     </p:spTree>
     <p:extLst>
       <p:ext uri="{BB962C8B-B14F-4D97-AF65-F5344CB8AC3E}">
-        <p14:creationId xmlns:p14="http://schemas.microsoft.com/office/powerpoint/2010/main" val="440265260"/>
+        <p14:creationId xmlns:p14="http://schemas.microsoft.com/office/powerpoint/2010/main" val="2288274155"/>
       </p:ext>
     </p:extLst>
   </p:cSld>
@@ -2470,7 +2470,7 @@
           <p:cNvPr id="2" name="标题 1">
             <a:extLst>
               <a:ext uri="{FF2B5EF4-FFF2-40B4-BE49-F238E27FC236}">
-                <a16:creationId xmlns:a16="http://schemas.microsoft.com/office/drawing/2014/main" id="{70B1DD93-CBEB-FA3C-F4DE-B3D633BBA74D}"/>
+                <a16:creationId xmlns:a16="http://schemas.microsoft.com/office/drawing/2014/main" id="{CD78D02F-C314-6787-25CB-983968D8D881}"/>
               </a:ext>
             </a:extLst>
           </p:cNvPr>
@@ -2507,7 +2507,7 @@
           <p:cNvPr id="3" name="图片占位符 2">
             <a:extLst>
               <a:ext uri="{FF2B5EF4-FFF2-40B4-BE49-F238E27FC236}">
-                <a16:creationId xmlns:a16="http://schemas.microsoft.com/office/drawing/2014/main" id="{B9047752-9C7A-FDF6-AC88-D64CA65C24FD}"/>
+                <a16:creationId xmlns:a16="http://schemas.microsoft.com/office/drawing/2014/main" id="{C09A3C08-8597-CD49-9A0A-16064753F33E}"/>
               </a:ext>
             </a:extLst>
           </p:cNvPr>
@@ -2574,7 +2574,7 @@
           <p:cNvPr id="4" name="文本占位符 3">
             <a:extLst>
               <a:ext uri="{FF2B5EF4-FFF2-40B4-BE49-F238E27FC236}">
-                <a16:creationId xmlns:a16="http://schemas.microsoft.com/office/drawing/2014/main" id="{194A15D3-D735-4E94-7311-0994DCA492E6}"/>
+                <a16:creationId xmlns:a16="http://schemas.microsoft.com/office/drawing/2014/main" id="{FEFDD215-CA5C-4D4C-6ADF-3431BA7E9E85}"/>
               </a:ext>
             </a:extLst>
           </p:cNvPr>
@@ -2645,7 +2645,7 @@
           <p:cNvPr id="5" name="日期占位符 4">
             <a:extLst>
               <a:ext uri="{FF2B5EF4-FFF2-40B4-BE49-F238E27FC236}">
-                <a16:creationId xmlns:a16="http://schemas.microsoft.com/office/drawing/2014/main" id="{035EF6DC-13F3-8E89-CB52-78621C042379}"/>
+                <a16:creationId xmlns:a16="http://schemas.microsoft.com/office/drawing/2014/main" id="{0C298C35-15F0-7D59-D5F2-7262BF191435}"/>
               </a:ext>
             </a:extLst>
           </p:cNvPr>
@@ -2661,7 +2661,7 @@
           <a:bodyPr/>
           <a:lstStyle/>
           <a:p>
-            <a:fld id="{6D804C24-D3AC-4A3B-8145-8F348AA0F10E}" type="datetimeFigureOut">
+            <a:fld id="{A9CBCF9F-129A-42FE-AD6A-6E890AB09AE3}" type="datetimeFigureOut">
               <a:rPr lang="zh-CN" altLang="en-US" smtClean="0"/>
               <a:t>2024/3/10</a:t>
             </a:fld>
@@ -2674,7 +2674,7 @@
           <p:cNvPr id="6" name="页脚占位符 5">
             <a:extLst>
               <a:ext uri="{FF2B5EF4-FFF2-40B4-BE49-F238E27FC236}">
-                <a16:creationId xmlns:a16="http://schemas.microsoft.com/office/drawing/2014/main" id="{B2CA159B-19BB-133D-9E12-273F5E4ACECE}"/>
+                <a16:creationId xmlns:a16="http://schemas.microsoft.com/office/drawing/2014/main" id="{18C7CBC9-DB9A-90D9-D6EA-CC99E285F101}"/>
               </a:ext>
             </a:extLst>
           </p:cNvPr>
@@ -2699,7 +2699,7 @@
           <p:cNvPr id="7" name="灯片编号占位符 6">
             <a:extLst>
               <a:ext uri="{FF2B5EF4-FFF2-40B4-BE49-F238E27FC236}">
-                <a16:creationId xmlns:a16="http://schemas.microsoft.com/office/drawing/2014/main" id="{01FB7D04-2B7A-63F7-427C-EAE8CBCDA300}"/>
+                <a16:creationId xmlns:a16="http://schemas.microsoft.com/office/drawing/2014/main" id="{014330C5-4C15-2DD4-F083-3118CD3F1E05}"/>
               </a:ext>
             </a:extLst>
           </p:cNvPr>
@@ -2715,7 +2715,7 @@
           <a:bodyPr/>
           <a:lstStyle/>
           <a:p>
-            <a:fld id="{D305B949-17C4-41A8-B8E0-E4B4B84CB72F}" type="slidenum">
+            <a:fld id="{48920756-50C0-4E68-8325-23173A4C6874}" type="slidenum">
               <a:rPr lang="zh-CN" altLang="en-US" smtClean="0"/>
               <a:t>‹#›</a:t>
             </a:fld>
@@ -2726,7 +2726,7 @@
     </p:spTree>
     <p:extLst>
       <p:ext uri="{BB962C8B-B14F-4D97-AF65-F5344CB8AC3E}">
-        <p14:creationId xmlns:p14="http://schemas.microsoft.com/office/powerpoint/2010/main" val="1345486825"/>
+        <p14:creationId xmlns:p14="http://schemas.microsoft.com/office/powerpoint/2010/main" val="949709074"/>
       </p:ext>
     </p:extLst>
   </p:cSld>
@@ -2763,7 +2763,7 @@
           <p:cNvPr id="2" name="标题占位符 1">
             <a:extLst>
               <a:ext uri="{FF2B5EF4-FFF2-40B4-BE49-F238E27FC236}">
-                <a16:creationId xmlns:a16="http://schemas.microsoft.com/office/drawing/2014/main" id="{E3539ADA-097F-C8BA-AD39-8AF3D2D4CAD3}"/>
+                <a16:creationId xmlns:a16="http://schemas.microsoft.com/office/drawing/2014/main" id="{0216A190-790B-81C1-40F3-6075683B3DC0}"/>
               </a:ext>
             </a:extLst>
           </p:cNvPr>
@@ -2801,7 +2801,7 @@
           <p:cNvPr id="3" name="文本占位符 2">
             <a:extLst>
               <a:ext uri="{FF2B5EF4-FFF2-40B4-BE49-F238E27FC236}">
-                <a16:creationId xmlns:a16="http://schemas.microsoft.com/office/drawing/2014/main" id="{02F12679-8FD2-16FF-D6C7-AE7079323D1C}"/>
+                <a16:creationId xmlns:a16="http://schemas.microsoft.com/office/drawing/2014/main" id="{77DBB080-0139-F245-EFC7-C83FEC6CADD6}"/>
               </a:ext>
             </a:extLst>
           </p:cNvPr>
@@ -2868,7 +2868,7 @@
           <p:cNvPr id="4" name="日期占位符 3">
             <a:extLst>
               <a:ext uri="{FF2B5EF4-FFF2-40B4-BE49-F238E27FC236}">
-                <a16:creationId xmlns:a16="http://schemas.microsoft.com/office/drawing/2014/main" id="{D74F930F-6778-BDD2-2149-7028192E3FEC}"/>
+                <a16:creationId xmlns:a16="http://schemas.microsoft.com/office/drawing/2014/main" id="{EFB3D069-0A1A-EAD8-4736-6293DFACF5B8}"/>
               </a:ext>
             </a:extLst>
           </p:cNvPr>
@@ -2902,7 +2902,7 @@
             </a:lvl1pPr>
           </a:lstStyle>
           <a:p>
-            <a:fld id="{6D804C24-D3AC-4A3B-8145-8F348AA0F10E}" type="datetimeFigureOut">
+            <a:fld id="{A9CBCF9F-129A-42FE-AD6A-6E890AB09AE3}" type="datetimeFigureOut">
               <a:rPr lang="zh-CN" altLang="en-US" smtClean="0"/>
               <a:t>2024/3/10</a:t>
             </a:fld>
@@ -2915,7 +2915,7 @@
           <p:cNvPr id="5" name="页脚占位符 4">
             <a:extLst>
               <a:ext uri="{FF2B5EF4-FFF2-40B4-BE49-F238E27FC236}">
-                <a16:creationId xmlns:a16="http://schemas.microsoft.com/office/drawing/2014/main" id="{9B68EE39-CC7D-8A52-CD40-E521C7CD5B41}"/>
+                <a16:creationId xmlns:a16="http://schemas.microsoft.com/office/drawing/2014/main" id="{35EFDB86-427A-E887-D585-186D14CD8036}"/>
               </a:ext>
             </a:extLst>
           </p:cNvPr>
@@ -2958,7 +2958,7 @@
           <p:cNvPr id="6" name="灯片编号占位符 5">
             <a:extLst>
               <a:ext uri="{FF2B5EF4-FFF2-40B4-BE49-F238E27FC236}">
-                <a16:creationId xmlns:a16="http://schemas.microsoft.com/office/drawing/2014/main" id="{BD277D7D-6F96-BC03-CD2B-45298EF5236F}"/>
+                <a16:creationId xmlns:a16="http://schemas.microsoft.com/office/drawing/2014/main" id="{2AB06048-5435-29B1-66C5-0AC57D5167F6}"/>
               </a:ext>
             </a:extLst>
           </p:cNvPr>
@@ -2992,7 +2992,7 @@
             </a:lvl1pPr>
           </a:lstStyle>
           <a:p>
-            <a:fld id="{D305B949-17C4-41A8-B8E0-E4B4B84CB72F}" type="slidenum">
+            <a:fld id="{48920756-50C0-4E68-8325-23173A4C6874}" type="slidenum">
               <a:rPr lang="zh-CN" altLang="en-US" smtClean="0"/>
               <a:t>‹#›</a:t>
             </a:fld>
@@ -3003,7 +3003,7 @@
     </p:spTree>
     <p:extLst>
       <p:ext uri="{BB962C8B-B14F-4D97-AF65-F5344CB8AC3E}">
-        <p14:creationId xmlns:p14="http://schemas.microsoft.com/office/powerpoint/2010/main" val="1117670635"/>
+        <p14:creationId xmlns:p14="http://schemas.microsoft.com/office/powerpoint/2010/main" val="3919075756"/>
       </p:ext>
     </p:extLst>
   </p:cSld>
@@ -3323,7 +3323,7 @@
       </p:grpSpPr>
       <p:pic>
         <p:nvPicPr>
-          <p:cNvPr id="655362" name="Picture 2" descr="639"/>
+          <p:cNvPr id="656386" name="Picture 2" descr="640"/>
           <p:cNvPicPr>
             <a:picLocks noChangeAspect="1" noChangeArrowheads="1"/>
           </p:cNvPicPr>
@@ -3345,7 +3345,7 @@
         <p:spPr bwMode="auto">
           <a:xfrm>
             <a:off x="1524000" y="0"/>
-            <a:ext cx="9144000" cy="6859588"/>
+            <a:ext cx="9144000" cy="6858000"/>
           </a:xfrm>
           <a:prstGeom prst="rect">
             <a:avLst/>
@@ -3375,11 +3375,158 @@
           </a:extLst>
         </p:spPr>
       </p:pic>
+      <p:pic>
+        <p:nvPicPr>
+          <p:cNvPr id="657411" name="Picture 3" descr="640-2"/>
+          <p:cNvPicPr>
+            <a:picLocks noChangeAspect="1" noChangeArrowheads="1"/>
+          </p:cNvPicPr>
+          <p:nvPr/>
+        </p:nvPicPr>
+        <p:blipFill>
+          <a:blip r:embed="rId3">
+            <a:extLst>
+              <a:ext uri="{28A0092B-C50C-407E-A947-70E740481C1C}">
+                <a14:useLocalDpi xmlns:a14="http://schemas.microsoft.com/office/drawing/2010/main" val="0"/>
+              </a:ext>
+            </a:extLst>
+          </a:blip>
+          <a:srcRect/>
+          <a:stretch>
+            <a:fillRect/>
+          </a:stretch>
+        </p:blipFill>
+        <p:spPr bwMode="auto">
+          <a:xfrm>
+            <a:off x="1524000" y="0"/>
+            <a:ext cx="9144000" cy="6858000"/>
+          </a:xfrm>
+          <a:prstGeom prst="rect">
+            <a:avLst/>
+          </a:prstGeom>
+          <a:noFill/>
+          <a:ln>
+            <a:noFill/>
+          </a:ln>
+          <a:effectLst/>
+          <a:extLst>
+            <a:ext uri="{909E8E84-426E-40DD-AFC4-6F175D3DCCD1}">
+              <a14:hiddenFill xmlns:a14="http://schemas.microsoft.com/office/drawing/2010/main">
+                <a:solidFill>
+                  <a:srgbClr val="FFFFFF"/>
+                </a:solidFill>
+              </a14:hiddenFill>
+            </a:ext>
+            <a:ext uri="{91240B29-F687-4F45-9708-019B960494DF}">
+              <a14:hiddenLine xmlns:a14="http://schemas.microsoft.com/office/drawing/2010/main" w="9525">
+                <a:solidFill>
+                  <a:srgbClr val="000000"/>
+                </a:solidFill>
+                <a:miter lim="800000"/>
+                <a:headEnd/>
+                <a:tailEnd/>
+              </a14:hiddenLine>
+            </a:ext>
+            <a:ext uri="{AF507438-7753-43E0-B8FC-AC1667EBCBE1}">
+              <a14:hiddenEffects xmlns:a14="http://schemas.microsoft.com/office/drawing/2010/main">
+                <a:effectLst>
+                  <a:outerShdw dist="35921" dir="2700000" algn="ctr" rotWithShape="0">
+                    <a:srgbClr val="808080"/>
+                  </a:outerShdw>
+                </a:effectLst>
+              </a14:hiddenEffects>
+            </a:ext>
+          </a:extLst>
+        </p:spPr>
+      </p:pic>
     </p:spTree>
   </p:cSld>
   <p:clrMapOvr>
     <a:masterClrMapping/>
   </p:clrMapOvr>
+  <p:timing>
+    <p:tnLst>
+      <p:par>
+        <p:cTn id="1" dur="indefinite" restart="never" nodeType="tmRoot">
+          <p:childTnLst>
+            <p:seq concurrent="1" nextAc="seek">
+              <p:cTn id="2" dur="indefinite" nodeType="mainSeq">
+                <p:childTnLst>
+                  <p:par>
+                    <p:cTn id="3" fill="hold" nodeType="clickPar">
+                      <p:stCondLst>
+                        <p:cond delay="indefinite"/>
+                      </p:stCondLst>
+                      <p:childTnLst>
+                        <p:par>
+                          <p:cTn id="4" fill="hold" nodeType="withGroup">
+                            <p:stCondLst>
+                              <p:cond delay="0"/>
+                            </p:stCondLst>
+                            <p:childTnLst>
+                              <p:par>
+                                <p:cTn id="5" presetID="10" presetClass="entr" presetSubtype="0" fill="hold" nodeType="clickEffect">
+                                  <p:stCondLst>
+                                    <p:cond delay="0"/>
+                                  </p:stCondLst>
+                                  <p:childTnLst>
+                                    <p:set>
+                                      <p:cBhvr>
+                                        <p:cTn id="6" dur="1" fill="hold">
+                                          <p:stCondLst>
+                                            <p:cond delay="0"/>
+                                          </p:stCondLst>
+                                        </p:cTn>
+                                        <p:tgtEl>
+                                          <p:spTgt spid="657411"/>
+                                        </p:tgtEl>
+                                        <p:attrNameLst>
+                                          <p:attrName>style.visibility</p:attrName>
+                                        </p:attrNameLst>
+                                      </p:cBhvr>
+                                      <p:to>
+                                        <p:strVal val="visible"/>
+                                      </p:to>
+                                    </p:set>
+                                    <p:animEffect transition="in" filter="fade">
+                                      <p:cBhvr>
+                                        <p:cTn id="7" dur="500"/>
+                                        <p:tgtEl>
+                                          <p:spTgt spid="657411"/>
+                                        </p:tgtEl>
+                                      </p:cBhvr>
+                                    </p:animEffect>
+                                  </p:childTnLst>
+                                </p:cTn>
+                              </p:par>
+                            </p:childTnLst>
+                          </p:cTn>
+                        </p:par>
+                      </p:childTnLst>
+                    </p:cTn>
+                  </p:par>
+                </p:childTnLst>
+              </p:cTn>
+              <p:prevCondLst>
+                <p:cond evt="onPrev" delay="0">
+                  <p:tgtEl>
+                    <p:sldTgt/>
+                  </p:tgtEl>
+                </p:cond>
+              </p:prevCondLst>
+              <p:nextCondLst>
+                <p:cond evt="onNext" delay="0">
+                  <p:tgtEl>
+                    <p:sldTgt/>
+                  </p:tgtEl>
+                </p:cond>
+              </p:nextCondLst>
+            </p:seq>
+          </p:childTnLst>
+        </p:cTn>
+      </p:par>
+    </p:tnLst>
+  </p:timing>
 </p:sld>
 </file>
 
